--- a/docs/xr_locomotion/xr_locomotion.pptx
+++ b/docs/xr_locomotion/xr_locomotion.pptx
@@ -7,6 +7,7 @@
   <p:sldIdLst>
     <p:sldId id="3039" r:id="rId2"/>
     <p:sldId id="3040" r:id="rId3"/>
+    <p:sldId id="3041" r:id="rId4"/>
   </p:sldIdLst>
   <p:sldSz cx="12192000" cy="6858000"/>
   <p:notesSz cx="6858000" cy="9144000"/>
@@ -116,7 +117,7 @@
 <file path=ppt/revisionInfo.xml><?xml version="1.0" encoding="utf-8"?>
 <p1510:revInfo xmlns:a="http://schemas.openxmlformats.org/drawingml/2006/main" xmlns:r="http://schemas.openxmlformats.org/officeDocument/2006/relationships" xmlns:p1510="http://schemas.microsoft.com/office/powerpoint/2015/10/main">
   <p1510:revLst>
-    <p1510:client id="{E98DFD64-B840-4F83-B2AB-5D162E5B731A}" v="11" dt="2022-11-08T15:04:29.685"/>
+    <p1510:client id="{E98DFD64-B840-4F83-B2AB-5D162E5B731A}" v="19" dt="2022-11-08T22:47:48.067"/>
   </p1510:revLst>
 </p1510:revInfo>
 </file>
@@ -126,18 +127,57 @@
   <pc:docChgLst>
     <pc:chgData name="Thomas O Fredericks" userId="9a40f032a9b16fc7" providerId="LiveId" clId="{E98DFD64-B840-4F83-B2AB-5D162E5B731A}"/>
     <pc:docChg chg="undo custSel addSld modSld">
-      <pc:chgData name="Thomas O Fredericks" userId="9a40f032a9b16fc7" providerId="LiveId" clId="{E98DFD64-B840-4F83-B2AB-5D162E5B731A}" dt="2022-11-08T15:04:35.120" v="47" actId="20577"/>
+      <pc:chgData name="Thomas O Fredericks" userId="9a40f032a9b16fc7" providerId="LiveId" clId="{E98DFD64-B840-4F83-B2AB-5D162E5B731A}" dt="2022-11-08T22:47:52.228" v="120" actId="14100"/>
       <pc:docMkLst>
         <pc:docMk/>
       </pc:docMkLst>
+      <pc:sldChg chg="addSp delSp modSp">
+        <pc:chgData name="Thomas O Fredericks" userId="9a40f032a9b16fc7" providerId="LiveId" clId="{E98DFD64-B840-4F83-B2AB-5D162E5B731A}" dt="2022-11-08T22:41:51.230" v="53" actId="16037"/>
+        <pc:sldMkLst>
+          <pc:docMk/>
+          <pc:sldMk cId="646695592" sldId="3039"/>
+        </pc:sldMkLst>
+        <pc:spChg chg="mod">
+          <ac:chgData name="Thomas O Fredericks" userId="9a40f032a9b16fc7" providerId="LiveId" clId="{E98DFD64-B840-4F83-B2AB-5D162E5B731A}" dt="2022-11-08T22:41:41.134" v="51" actId="1076"/>
+          <ac:spMkLst>
+            <pc:docMk/>
+            <pc:sldMk cId="646695592" sldId="3039"/>
+            <ac:spMk id="3" creationId="{82345540-F30A-4888-87D3-9921AE148BD1}"/>
+          </ac:spMkLst>
+        </pc:spChg>
+        <pc:spChg chg="mod">
+          <ac:chgData name="Thomas O Fredericks" userId="9a40f032a9b16fc7" providerId="LiveId" clId="{E98DFD64-B840-4F83-B2AB-5D162E5B731A}" dt="2022-11-08T22:41:51.230" v="53" actId="16037"/>
+          <ac:spMkLst>
+            <pc:docMk/>
+            <pc:sldMk cId="646695592" sldId="3039"/>
+            <ac:spMk id="4" creationId="{A75311D2-15BC-47B8-96D6-B4AE0DADDD5B}"/>
+          </ac:spMkLst>
+        </pc:spChg>
+        <pc:picChg chg="del">
+          <ac:chgData name="Thomas O Fredericks" userId="9a40f032a9b16fc7" providerId="LiveId" clId="{E98DFD64-B840-4F83-B2AB-5D162E5B731A}" dt="2022-11-08T22:41:33.829" v="48" actId="478"/>
+          <ac:picMkLst>
+            <pc:docMk/>
+            <pc:sldMk cId="646695592" sldId="3039"/>
+            <ac:picMk id="2" creationId="{28E3B1DE-73B8-4D41-BEEC-F3649B6386C0}"/>
+          </ac:picMkLst>
+        </pc:picChg>
+        <pc:picChg chg="add ord">
+          <ac:chgData name="Thomas O Fredericks" userId="9a40f032a9b16fc7" providerId="LiveId" clId="{E98DFD64-B840-4F83-B2AB-5D162E5B731A}" dt="2022-11-08T22:41:36.952" v="50" actId="167"/>
+          <ac:picMkLst>
+            <pc:docMk/>
+            <pc:sldMk cId="646695592" sldId="3039"/>
+            <ac:picMk id="5" creationId="{FF3FDA5E-0057-41B1-BB9E-4738262285A1}"/>
+          </ac:picMkLst>
+        </pc:picChg>
+      </pc:sldChg>
       <pc:sldChg chg="addSp delSp modSp add">
-        <pc:chgData name="Thomas O Fredericks" userId="9a40f032a9b16fc7" providerId="LiveId" clId="{E98DFD64-B840-4F83-B2AB-5D162E5B731A}" dt="2022-11-08T15:04:35.120" v="47" actId="20577"/>
+        <pc:chgData name="Thomas O Fredericks" userId="9a40f032a9b16fc7" providerId="LiveId" clId="{E98DFD64-B840-4F83-B2AB-5D162E5B731A}" dt="2022-11-08T22:44:37.269" v="107" actId="1035"/>
         <pc:sldMkLst>
           <pc:docMk/>
           <pc:sldMk cId="3993174155" sldId="3040"/>
         </pc:sldMkLst>
         <pc:spChg chg="add mod">
-          <ac:chgData name="Thomas O Fredericks" userId="9a40f032a9b16fc7" providerId="LiveId" clId="{E98DFD64-B840-4F83-B2AB-5D162E5B731A}" dt="2022-11-08T15:03:24.554" v="6" actId="14100"/>
+          <ac:chgData name="Thomas O Fredericks" userId="9a40f032a9b16fc7" providerId="LiveId" clId="{E98DFD64-B840-4F83-B2AB-5D162E5B731A}" dt="2022-11-08T22:44:37.269" v="107" actId="1035"/>
           <ac:spMkLst>
             <pc:docMk/>
             <pc:sldMk cId="3993174155" sldId="3040"/>
@@ -145,7 +185,7 @@
           </ac:spMkLst>
         </pc:spChg>
         <pc:spChg chg="add mod">
-          <ac:chgData name="Thomas O Fredericks" userId="9a40f032a9b16fc7" providerId="LiveId" clId="{E98DFD64-B840-4F83-B2AB-5D162E5B731A}" dt="2022-11-08T15:03:41.484" v="13" actId="14100"/>
+          <ac:chgData name="Thomas O Fredericks" userId="9a40f032a9b16fc7" providerId="LiveId" clId="{E98DFD64-B840-4F83-B2AB-5D162E5B731A}" dt="2022-11-08T22:42:43.220" v="71" actId="1035"/>
           <ac:spMkLst>
             <pc:docMk/>
             <pc:sldMk cId="3993174155" sldId="3040"/>
@@ -153,7 +193,7 @@
           </ac:spMkLst>
         </pc:spChg>
         <pc:spChg chg="add mod">
-          <ac:chgData name="Thomas O Fredericks" userId="9a40f032a9b16fc7" providerId="LiveId" clId="{E98DFD64-B840-4F83-B2AB-5D162E5B731A}" dt="2022-11-08T15:03:47.820" v="16" actId="14100"/>
+          <ac:chgData name="Thomas O Fredericks" userId="9a40f032a9b16fc7" providerId="LiveId" clId="{E98DFD64-B840-4F83-B2AB-5D162E5B731A}" dt="2022-11-08T22:43:00.824" v="85" actId="1038"/>
           <ac:spMkLst>
             <pc:docMk/>
             <pc:sldMk cId="3993174155" sldId="3040"/>
@@ -161,7 +201,7 @@
           </ac:spMkLst>
         </pc:spChg>
         <pc:spChg chg="add mod">
-          <ac:chgData name="Thomas O Fredericks" userId="9a40f032a9b16fc7" providerId="LiveId" clId="{E98DFD64-B840-4F83-B2AB-5D162E5B731A}" dt="2022-11-08T15:03:57.836" v="28" actId="1038"/>
+          <ac:chgData name="Thomas O Fredericks" userId="9a40f032a9b16fc7" providerId="LiveId" clId="{E98DFD64-B840-4F83-B2AB-5D162E5B731A}" dt="2022-11-08T22:43:04.367" v="95" actId="1038"/>
           <ac:spMkLst>
             <pc:docMk/>
             <pc:sldMk cId="3993174155" sldId="3040"/>
@@ -169,7 +209,7 @@
           </ac:spMkLst>
         </pc:spChg>
         <pc:spChg chg="add mod">
-          <ac:chgData name="Thomas O Fredericks" userId="9a40f032a9b16fc7" providerId="LiveId" clId="{E98DFD64-B840-4F83-B2AB-5D162E5B731A}" dt="2022-11-08T15:04:16.293" v="37" actId="1076"/>
+          <ac:chgData name="Thomas O Fredericks" userId="9a40f032a9b16fc7" providerId="LiveId" clId="{E98DFD64-B840-4F83-B2AB-5D162E5B731A}" dt="2022-11-08T22:44:15.193" v="96" actId="1076"/>
           <ac:spMkLst>
             <pc:docMk/>
             <pc:sldMk cId="3993174155" sldId="3040"/>
@@ -177,7 +217,7 @@
           </ac:spMkLst>
         </pc:spChg>
         <pc:spChg chg="add mod">
-          <ac:chgData name="Thomas O Fredericks" userId="9a40f032a9b16fc7" providerId="LiveId" clId="{E98DFD64-B840-4F83-B2AB-5D162E5B731A}" dt="2022-11-08T15:04:20.055" v="38" actId="1076"/>
+          <ac:chgData name="Thomas O Fredericks" userId="9a40f032a9b16fc7" providerId="LiveId" clId="{E98DFD64-B840-4F83-B2AB-5D162E5B731A}" dt="2022-11-08T22:44:21.187" v="97" actId="1076"/>
           <ac:spMkLst>
             <pc:docMk/>
             <pc:sldMk cId="3993174155" sldId="3040"/>
@@ -185,7 +225,7 @@
           </ac:spMkLst>
         </pc:spChg>
         <pc:spChg chg="add mod">
-          <ac:chgData name="Thomas O Fredericks" userId="9a40f032a9b16fc7" providerId="LiveId" clId="{E98DFD64-B840-4F83-B2AB-5D162E5B731A}" dt="2022-11-08T15:04:28.295" v="44" actId="20577"/>
+          <ac:chgData name="Thomas O Fredericks" userId="9a40f032a9b16fc7" providerId="LiveId" clId="{E98DFD64-B840-4F83-B2AB-5D162E5B731A}" dt="2022-11-08T22:44:24.236" v="98" actId="1076"/>
           <ac:spMkLst>
             <pc:docMk/>
             <pc:sldMk cId="3993174155" sldId="3040"/>
@@ -193,13 +233,21 @@
           </ac:spMkLst>
         </pc:spChg>
         <pc:spChg chg="add mod">
-          <ac:chgData name="Thomas O Fredericks" userId="9a40f032a9b16fc7" providerId="LiveId" clId="{E98DFD64-B840-4F83-B2AB-5D162E5B731A}" dt="2022-11-08T15:04:35.120" v="47" actId="20577"/>
+          <ac:chgData name="Thomas O Fredericks" userId="9a40f032a9b16fc7" providerId="LiveId" clId="{E98DFD64-B840-4F83-B2AB-5D162E5B731A}" dt="2022-11-08T22:44:29.514" v="101" actId="1076"/>
           <ac:spMkLst>
             <pc:docMk/>
             <pc:sldMk cId="3993174155" sldId="3040"/>
             <ac:spMk id="11" creationId="{4B595F7D-6AF6-40EC-B931-1CA4C04D8F55}"/>
           </ac:spMkLst>
         </pc:spChg>
+        <pc:picChg chg="add mod ord">
+          <ac:chgData name="Thomas O Fredericks" userId="9a40f032a9b16fc7" providerId="LiveId" clId="{E98DFD64-B840-4F83-B2AB-5D162E5B731A}" dt="2022-11-08T22:44:27.042" v="100" actId="1076"/>
+          <ac:picMkLst>
+            <pc:docMk/>
+            <pc:sldMk cId="3993174155" sldId="3040"/>
+            <ac:picMk id="2" creationId="{935D56FA-A1E2-456F-9235-17C0157FA88D}"/>
+          </ac:picMkLst>
+        </pc:picChg>
         <pc:picChg chg="add del">
           <ac:chgData name="Thomas O Fredericks" userId="9a40f032a9b16fc7" providerId="LiveId" clId="{E98DFD64-B840-4F83-B2AB-5D162E5B731A}" dt="2022-11-08T15:03:02.820" v="2" actId="478"/>
           <ac:picMkLst>
@@ -208,12 +256,51 @@
             <ac:picMk id="2" creationId="{9B7939E7-B803-40C1-B0F1-77994D3362BB}"/>
           </ac:picMkLst>
         </pc:picChg>
-        <pc:picChg chg="add mod">
-          <ac:chgData name="Thomas O Fredericks" userId="9a40f032a9b16fc7" providerId="LiveId" clId="{E98DFD64-B840-4F83-B2AB-5D162E5B731A}" dt="2022-11-08T15:03:50.278" v="19" actId="1076"/>
+        <pc:picChg chg="add del mod">
+          <ac:chgData name="Thomas O Fredericks" userId="9a40f032a9b16fc7" providerId="LiveId" clId="{E98DFD64-B840-4F83-B2AB-5D162E5B731A}" dt="2022-11-08T22:42:19.895" v="54" actId="478"/>
           <ac:picMkLst>
             <pc:docMk/>
             <pc:sldMk cId="3993174155" sldId="3040"/>
             <ac:picMk id="3" creationId="{BE433414-F83C-45DD-B883-8CA7A6EDA386}"/>
+          </ac:picMkLst>
+        </pc:picChg>
+      </pc:sldChg>
+      <pc:sldChg chg="addSp delSp modSp add">
+        <pc:chgData name="Thomas O Fredericks" userId="9a40f032a9b16fc7" providerId="LiveId" clId="{E98DFD64-B840-4F83-B2AB-5D162E5B731A}" dt="2022-11-08T22:47:52.228" v="120" actId="14100"/>
+        <pc:sldMkLst>
+          <pc:docMk/>
+          <pc:sldMk cId="2212481737" sldId="3041"/>
+        </pc:sldMkLst>
+        <pc:spChg chg="add mod">
+          <ac:chgData name="Thomas O Fredericks" userId="9a40f032a9b16fc7" providerId="LiveId" clId="{E98DFD64-B840-4F83-B2AB-5D162E5B731A}" dt="2022-11-08T22:47:47.469" v="117" actId="1076"/>
+          <ac:spMkLst>
+            <pc:docMk/>
+            <pc:sldMk cId="2212481737" sldId="3041"/>
+            <ac:spMk id="4" creationId="{4F0991D8-9A71-4458-A94A-F4ADA97696F3}"/>
+          </ac:spMkLst>
+        </pc:spChg>
+        <pc:spChg chg="add mod">
+          <ac:chgData name="Thomas O Fredericks" userId="9a40f032a9b16fc7" providerId="LiveId" clId="{E98DFD64-B840-4F83-B2AB-5D162E5B731A}" dt="2022-11-08T22:47:52.228" v="120" actId="14100"/>
+          <ac:spMkLst>
+            <pc:docMk/>
+            <pc:sldMk cId="2212481737" sldId="3041"/>
+            <ac:spMk id="5" creationId="{0ADC32B5-744B-456E-81D1-AF12E4AB2CB7}"/>
+          </ac:spMkLst>
+        </pc:spChg>
+        <pc:picChg chg="add del mod">
+          <ac:chgData name="Thomas O Fredericks" userId="9a40f032a9b16fc7" providerId="LiveId" clId="{E98DFD64-B840-4F83-B2AB-5D162E5B731A}" dt="2022-11-08T22:47:29.128" v="111" actId="478"/>
+          <ac:picMkLst>
+            <pc:docMk/>
+            <pc:sldMk cId="2212481737" sldId="3041"/>
+            <ac:picMk id="2" creationId="{202E354D-B8F2-4D06-B044-973A86089DB2}"/>
+          </ac:picMkLst>
+        </pc:picChg>
+        <pc:picChg chg="add mod">
+          <ac:chgData name="Thomas O Fredericks" userId="9a40f032a9b16fc7" providerId="LiveId" clId="{E98DFD64-B840-4F83-B2AB-5D162E5B731A}" dt="2022-11-08T22:47:42.161" v="116" actId="1076"/>
+          <ac:picMkLst>
+            <pc:docMk/>
+            <pc:sldMk cId="2212481737" sldId="3041"/>
+            <ac:picMk id="3" creationId="{38CA5F21-F688-4293-93F2-53EF4C771ABA}"/>
           </ac:picMkLst>
         </pc:picChg>
       </pc:sldChg>
@@ -3459,10 +3546,10 @@
       </p:grpSpPr>
       <p:pic>
         <p:nvPicPr>
-          <p:cNvPr id="2" name="Image 1">
-            <a:extLst>
-              <a:ext uri="{FF2B5EF4-FFF2-40B4-BE49-F238E27FC236}">
-                <a16:creationId xmlns:a16="http://schemas.microsoft.com/office/drawing/2014/main" id="{28E3B1DE-73B8-4D41-BEEC-F3649B6386C0}"/>
+          <p:cNvPr id="5" name="Image 4">
+            <a:extLst>
+              <a:ext uri="{FF2B5EF4-FFF2-40B4-BE49-F238E27FC236}">
+                <a16:creationId xmlns:a16="http://schemas.microsoft.com/office/drawing/2014/main" id="{FF3FDA5E-0057-41B1-BB9E-4738262285A1}"/>
               </a:ext>
             </a:extLst>
           </p:cNvPr>
@@ -3479,8 +3566,8 @@
         </p:blipFill>
         <p:spPr>
           <a:xfrm>
-            <a:off x="2671506" y="0"/>
-            <a:ext cx="6848988" cy="6858000"/>
+            <a:off x="1166124" y="771154"/>
+            <a:ext cx="9859751" cy="5315692"/>
           </a:xfrm>
           <a:prstGeom prst="rect">
             <a:avLst/>
@@ -3501,7 +3588,7 @@
         </p:nvSpPr>
         <p:spPr>
           <a:xfrm>
-            <a:off x="3382356" y="1685054"/>
+            <a:off x="2143759" y="2643619"/>
             <a:ext cx="1439026" cy="384815"/>
           </a:xfrm>
           <a:prstGeom prst="roundRect">
@@ -3553,7 +3640,7 @@
         </p:nvSpPr>
         <p:spPr>
           <a:xfrm>
-            <a:off x="4939607" y="2519099"/>
+            <a:off x="6776720" y="4115143"/>
             <a:ext cx="2043084" cy="249040"/>
           </a:xfrm>
           <a:prstGeom prst="roundRect">
@@ -3623,10 +3710,10 @@
       </p:grpSpPr>
       <p:pic>
         <p:nvPicPr>
-          <p:cNvPr id="3" name="Image 2">
-            <a:extLst>
-              <a:ext uri="{FF2B5EF4-FFF2-40B4-BE49-F238E27FC236}">
-                <a16:creationId xmlns:a16="http://schemas.microsoft.com/office/drawing/2014/main" id="{BE433414-F83C-45DD-B883-8CA7A6EDA386}"/>
+          <p:cNvPr id="2" name="Image 1">
+            <a:extLst>
+              <a:ext uri="{FF2B5EF4-FFF2-40B4-BE49-F238E27FC236}">
+                <a16:creationId xmlns:a16="http://schemas.microsoft.com/office/drawing/2014/main" id="{935D56FA-A1E2-456F-9235-17C0157FA88D}"/>
               </a:ext>
             </a:extLst>
           </p:cNvPr>
@@ -3643,8 +3730,8 @@
         </p:blipFill>
         <p:spPr>
           <a:xfrm>
-            <a:off x="3471161" y="0"/>
-            <a:ext cx="5249677" cy="6858000"/>
+            <a:off x="2384271" y="0"/>
+            <a:ext cx="7423458" cy="6858000"/>
           </a:xfrm>
           <a:prstGeom prst="rect">
             <a:avLst/>
@@ -3665,8 +3752,8 @@
         </p:nvSpPr>
         <p:spPr>
           <a:xfrm>
-            <a:off x="6516480" y="3179960"/>
-            <a:ext cx="2132998" cy="160399"/>
+            <a:off x="6663692" y="2830980"/>
+            <a:ext cx="1424592" cy="225487"/>
           </a:xfrm>
           <a:prstGeom prst="roundRect">
             <a:avLst/>
@@ -3717,7 +3804,7 @@
         </p:nvSpPr>
         <p:spPr>
           <a:xfrm>
-            <a:off x="6587841" y="4396389"/>
+            <a:off x="7926190" y="4144223"/>
             <a:ext cx="270159" cy="225487"/>
           </a:xfrm>
           <a:prstGeom prst="roundRect">
@@ -3769,7 +3856,7 @@
         </p:nvSpPr>
         <p:spPr>
           <a:xfrm>
-            <a:off x="6452761" y="5188869"/>
+            <a:off x="7800459" y="4999764"/>
             <a:ext cx="405239" cy="225487"/>
           </a:xfrm>
           <a:prstGeom prst="roundRect">
@@ -3821,7 +3908,7 @@
         </p:nvSpPr>
         <p:spPr>
           <a:xfrm>
-            <a:off x="6461073" y="5606727"/>
+            <a:off x="7799423" y="5426434"/>
             <a:ext cx="405239" cy="225487"/>
           </a:xfrm>
           <a:prstGeom prst="roundRect">
@@ -3873,7 +3960,7 @@
         </p:nvSpPr>
         <p:spPr>
           <a:xfrm>
-            <a:off x="4750670" y="1981305"/>
+            <a:off x="6285804" y="1673734"/>
             <a:ext cx="377888" cy="377888"/>
           </a:xfrm>
           <a:prstGeom prst="ellipse">
@@ -3925,7 +4012,7 @@
         </p:nvSpPr>
         <p:spPr>
           <a:xfrm>
-            <a:off x="4750670" y="2581101"/>
+            <a:off x="6346714" y="2389720"/>
             <a:ext cx="377888" cy="377888"/>
           </a:xfrm>
           <a:prstGeom prst="ellipse">
@@ -3977,7 +4064,7 @@
         </p:nvSpPr>
         <p:spPr>
           <a:xfrm>
-            <a:off x="4750670" y="4638502"/>
+            <a:off x="6285804" y="4491192"/>
             <a:ext cx="377888" cy="377888"/>
           </a:xfrm>
           <a:prstGeom prst="ellipse">
@@ -4029,7 +4116,7 @@
         </p:nvSpPr>
         <p:spPr>
           <a:xfrm>
-            <a:off x="4750670" y="5832214"/>
+            <a:off x="6285804" y="5716545"/>
             <a:ext cx="377888" cy="377888"/>
           </a:xfrm>
           <a:prstGeom prst="ellipse">
@@ -4080,10 +4167,174 @@
 </p:sld>
 </file>
 
+<file path=ppt/slides/slide3.xml><?xml version="1.0" encoding="utf-8"?>
+<p:sld xmlns:a="http://schemas.openxmlformats.org/drawingml/2006/main" xmlns:r="http://schemas.openxmlformats.org/officeDocument/2006/relationships" xmlns:p="http://schemas.openxmlformats.org/presentationml/2006/main">
+  <p:cSld>
+    <p:spTree>
+      <p:nvGrpSpPr>
+        <p:cNvPr id="1" name=""/>
+        <p:cNvGrpSpPr/>
+        <p:nvPr/>
+      </p:nvGrpSpPr>
+      <p:grpSpPr>
+        <a:xfrm>
+          <a:off x="0" y="0"/>
+          <a:ext cx="0" cy="0"/>
+          <a:chOff x="0" y="0"/>
+          <a:chExt cx="0" cy="0"/>
+        </a:xfrm>
+      </p:grpSpPr>
+      <p:pic>
+        <p:nvPicPr>
+          <p:cNvPr id="3" name="Image 2">
+            <a:extLst>
+              <a:ext uri="{FF2B5EF4-FFF2-40B4-BE49-F238E27FC236}">
+                <a16:creationId xmlns:a16="http://schemas.microsoft.com/office/drawing/2014/main" id="{38CA5F21-F688-4293-93F2-53EF4C771ABA}"/>
+              </a:ext>
+            </a:extLst>
+          </p:cNvPr>
+          <p:cNvPicPr>
+            <a:picLocks noChangeAspect="1"/>
+          </p:cNvPicPr>
+          <p:nvPr/>
+        </p:nvPicPr>
+        <p:blipFill>
+          <a:blip r:embed="rId2"/>
+          <a:stretch>
+            <a:fillRect/>
+          </a:stretch>
+        </p:blipFill>
+        <p:spPr>
+          <a:xfrm>
+            <a:off x="61070" y="28100"/>
+            <a:ext cx="12069859" cy="6801799"/>
+          </a:xfrm>
+          <a:prstGeom prst="rect">
+            <a:avLst/>
+          </a:prstGeom>
+        </p:spPr>
+      </p:pic>
+      <p:sp>
+        <p:nvSpPr>
+          <p:cNvPr id="4" name="Rectangle : coins arrondis 3">
+            <a:extLst>
+              <a:ext uri="{FF2B5EF4-FFF2-40B4-BE49-F238E27FC236}">
+                <a16:creationId xmlns:a16="http://schemas.microsoft.com/office/drawing/2014/main" id="{4F0991D8-9A71-4458-A94A-F4ADA97696F3}"/>
+              </a:ext>
+            </a:extLst>
+          </p:cNvPr>
+          <p:cNvSpPr/>
+          <p:nvPr/>
+        </p:nvSpPr>
+        <p:spPr>
+          <a:xfrm>
+            <a:off x="6095999" y="1748629"/>
+            <a:ext cx="1424592" cy="225487"/>
+          </a:xfrm>
+          <a:prstGeom prst="roundRect">
+            <a:avLst/>
+          </a:prstGeom>
+          <a:noFill/>
+          <a:ln w="38100">
+            <a:solidFill>
+              <a:schemeClr val="accent1"/>
+            </a:solidFill>
+          </a:ln>
+        </p:spPr>
+        <p:style>
+          <a:lnRef idx="2">
+            <a:schemeClr val="accent1">
+              <a:shade val="50000"/>
+            </a:schemeClr>
+          </a:lnRef>
+          <a:fillRef idx="1">
+            <a:schemeClr val="accent1"/>
+          </a:fillRef>
+          <a:effectRef idx="0">
+            <a:schemeClr val="accent1"/>
+          </a:effectRef>
+          <a:fontRef idx="minor">
+            <a:schemeClr val="lt1"/>
+          </a:fontRef>
+        </p:style>
+        <p:txBody>
+          <a:bodyPr rtlCol="0" anchor="ctr"/>
+          <a:lstStyle/>
+          <a:p>
+            <a:pPr algn="ctr"/>
+            <a:endParaRPr lang="fr-CA"/>
+          </a:p>
+        </p:txBody>
+      </p:sp>
+      <p:sp>
+        <p:nvSpPr>
+          <p:cNvPr id="5" name="Rectangle : coins arrondis 4">
+            <a:extLst>
+              <a:ext uri="{FF2B5EF4-FFF2-40B4-BE49-F238E27FC236}">
+                <a16:creationId xmlns:a16="http://schemas.microsoft.com/office/drawing/2014/main" id="{0ADC32B5-744B-456E-81D1-AF12E4AB2CB7}"/>
+              </a:ext>
+            </a:extLst>
+          </p:cNvPr>
+          <p:cNvSpPr/>
+          <p:nvPr/>
+        </p:nvSpPr>
+        <p:spPr>
+          <a:xfrm>
+            <a:off x="9257607" y="1748629"/>
+            <a:ext cx="2795848" cy="225487"/>
+          </a:xfrm>
+          <a:prstGeom prst="roundRect">
+            <a:avLst/>
+          </a:prstGeom>
+          <a:noFill/>
+          <a:ln w="38100">
+            <a:solidFill>
+              <a:schemeClr val="accent1"/>
+            </a:solidFill>
+          </a:ln>
+        </p:spPr>
+        <p:style>
+          <a:lnRef idx="2">
+            <a:schemeClr val="accent1">
+              <a:shade val="50000"/>
+            </a:schemeClr>
+          </a:lnRef>
+          <a:fillRef idx="1">
+            <a:schemeClr val="accent1"/>
+          </a:fillRef>
+          <a:effectRef idx="0">
+            <a:schemeClr val="accent1"/>
+          </a:effectRef>
+          <a:fontRef idx="minor">
+            <a:schemeClr val="lt1"/>
+          </a:fontRef>
+        </p:style>
+        <p:txBody>
+          <a:bodyPr rtlCol="0" anchor="ctr"/>
+          <a:lstStyle/>
+          <a:p>
+            <a:pPr algn="ctr"/>
+            <a:endParaRPr lang="fr-CA"/>
+          </a:p>
+        </p:txBody>
+      </p:sp>
+    </p:spTree>
+    <p:extLst>
+      <p:ext uri="{BB962C8B-B14F-4D97-AF65-F5344CB8AC3E}">
+        <p14:creationId xmlns:p14="http://schemas.microsoft.com/office/powerpoint/2010/main" val="2212481737"/>
+      </p:ext>
+    </p:extLst>
+  </p:cSld>
+  <p:clrMapOvr>
+    <a:masterClrMapping/>
+  </p:clrMapOvr>
+</p:sld>
+</file>
+
 <file path=ppt/theme/theme1.xml><?xml version="1.0" encoding="utf-8"?>
 <a:theme xmlns:a="http://schemas.openxmlformats.org/drawingml/2006/main" name="Thème Office">
   <a:themeElements>
-    <a:clrScheme name="Office">
+    <a:clrScheme name="Rouge violet">
       <a:dk1>
         <a:sysClr val="windowText" lastClr="000000"/>
       </a:dk1>
@@ -4091,34 +4342,34 @@
         <a:sysClr val="window" lastClr="FFFFFF"/>
       </a:lt1>
       <a:dk2>
-        <a:srgbClr val="44546A"/>
+        <a:srgbClr val="454551"/>
       </a:dk2>
       <a:lt2>
-        <a:srgbClr val="E7E6E6"/>
+        <a:srgbClr val="D8D9DC"/>
       </a:lt2>
       <a:accent1>
-        <a:srgbClr val="4472C4"/>
+        <a:srgbClr val="E32D91"/>
       </a:accent1>
       <a:accent2>
-        <a:srgbClr val="ED7D31"/>
+        <a:srgbClr val="C830CC"/>
       </a:accent2>
       <a:accent3>
-        <a:srgbClr val="A5A5A5"/>
+        <a:srgbClr val="4EA6DC"/>
       </a:accent3>
       <a:accent4>
-        <a:srgbClr val="FFC000"/>
+        <a:srgbClr val="4775E7"/>
       </a:accent4>
       <a:accent5>
-        <a:srgbClr val="5B9BD5"/>
+        <a:srgbClr val="8971E1"/>
       </a:accent5>
       <a:accent6>
-        <a:srgbClr val="70AD47"/>
+        <a:srgbClr val="D54773"/>
       </a:accent6>
       <a:hlink>
-        <a:srgbClr val="0563C1"/>
+        <a:srgbClr val="6B9F25"/>
       </a:hlink>
       <a:folHlink>
-        <a:srgbClr val="954F72"/>
+        <a:srgbClr val="8C8C8C"/>
       </a:folHlink>
     </a:clrScheme>
     <a:fontScheme name="Office">
